--- a/PRAGMA Meeting 15 - NOS.pptx
+++ b/PRAGMA Meeting 15 - NOS.pptx
@@ -247,7 +247,7 @@
           <a:p>
             <a:fld id="{34C2334A-FBA4-4502-AE56-6D61432A28B2}" type="datetimeFigureOut">
               <a:rPr lang="nb-NO" smtClean="0"/>
-              <a:t>05.03.2015</a:t>
+              <a:t>25.09.2015</a:t>
             </a:fld>
             <a:endParaRPr lang="nb-NO"/>
           </a:p>
@@ -412,7 +412,7 @@
           <a:p>
             <a:fld id="{985EF4D1-B3F4-41F0-A8F1-91FBEC11C80C}" type="datetimeFigureOut">
               <a:rPr lang="de-DE" smtClean="0"/>
-              <a:t>05.03.2015</a:t>
+              <a:t>25.09.2015</a:t>
             </a:fld>
             <a:endParaRPr lang="de-DE" dirty="0"/>
           </a:p>
@@ -11088,44 +11088,24 @@
           <a:lstStyle/>
           <a:p>
             <a:r>
-              <a:rPr lang="nb-NO" sz="2040" dirty="0" err="1">
-                <a:latin typeface="+mn-lt"/>
-                <a:ea typeface="+mn-ea"/>
-                <a:cs typeface="+mn-cs"/>
-              </a:rPr>
-              <a:t>Question</a:t>
-            </a:r>
-            <a:r>
               <a:rPr lang="nb-NO" sz="2040" dirty="0">
                 <a:latin typeface="+mn-lt"/>
                 <a:ea typeface="+mn-ea"/>
                 <a:cs typeface="+mn-cs"/>
               </a:rPr>
-              <a:t>:  </a:t>
-            </a:r>
-            <a:r>
-              <a:rPr lang="nb-NO" dirty="0" err="1" smtClean="0"/>
-              <a:t>What</a:t>
+              <a:t>Question:  </a:t>
             </a:r>
             <a:r>
               <a:rPr lang="nb-NO" dirty="0" smtClean="0"/>
-              <a:t> </a:t>
-            </a:r>
-            <a:r>
-              <a:rPr lang="nb-NO" dirty="0" err="1" smtClean="0"/>
-              <a:t>defines</a:t>
+              <a:t>What </a:t>
             </a:r>
             <a:r>
               <a:rPr lang="nb-NO" dirty="0" smtClean="0"/>
-              <a:t> </a:t>
-            </a:r>
-            <a:r>
-              <a:rPr lang="nb-NO" dirty="0" err="1" smtClean="0"/>
-              <a:t>Pragma</a:t>
+              <a:t>deffines </a:t>
             </a:r>
             <a:r>
               <a:rPr lang="nb-NO" dirty="0" smtClean="0"/>
-              <a:t>?</a:t>
+              <a:t>Pragma?</a:t>
             </a:r>
             <a:endParaRPr lang="nb-NO" dirty="0"/>
           </a:p>
@@ -17985,23 +17965,6 @@
 </file>
 
 <file path=customXml/item1.xml><?xml version="1.0" encoding="utf-8"?>
-<p:properties xmlns:p="http://schemas.microsoft.com/office/2006/metadata/properties" xmlns:xsi="http://www.w3.org/2001/XMLSchema-instance" xmlns:pc="http://schemas.microsoft.com/office/infopath/2007/PartnerControls">
-  <documentManagement>
-    <Inndeling xmlns="d3350465-63a7-4d8f-b2e3-559bc7c38667">2) Presentasjon Maler</Inndeling>
-  </documentManagement>
-</p:properties>
-</file>
-
-<file path=customXml/item2.xml><?xml version="1.0" encoding="utf-8"?>
-<?mso-contentType ?>
-<FormTemplates xmlns="http://schemas.microsoft.com/sharepoint/v3/contenttype/forms">
-  <Display>DocumentLibraryForm</Display>
-  <Edit>DocumentLibraryForm</Edit>
-  <New>DocumentLibraryForm</New>
-</FormTemplates>
-</file>
-
-<file path=customXml/item3.xml><?xml version="1.0" encoding="utf-8"?>
 <ct:contentTypeSchema xmlns:ct="http://schemas.microsoft.com/office/2006/metadata/contentType" xmlns:ma="http://schemas.microsoft.com/office/2006/metadata/properties/metaAttributes" ct:_="" ma:_="" ma:contentTypeName="Dokument" ma:contentTypeID="0x01010046767E37DF351D4C815275CFC5D186B6" ma:contentTypeVersion="1" ma:contentTypeDescription="Opprett et nytt dokument." ma:contentTypeScope="" ma:versionID="f209d5b3bb6aa803a9d989991d5bce94">
   <xsd:schema xmlns:xsd="http://www.w3.org/2001/XMLSchema" xmlns:xs="http://www.w3.org/2001/XMLSchema" xmlns:p="http://schemas.microsoft.com/office/2006/metadata/properties" xmlns:ns2="d3350465-63a7-4d8f-b2e3-559bc7c38667" targetNamespace="http://schemas.microsoft.com/office/2006/metadata/properties" ma:root="true" ma:fieldsID="b9d4ddcd6beb8ef7defa0e0296ecf109" ns2:_="">
     <xsd:import namespace="d3350465-63a7-4d8f-b2e3-559bc7c38667"/>
@@ -18133,31 +18096,24 @@
 </ct:contentTypeSchema>
 </file>
 
-<file path=customXml/itemProps1.xml><?xml version="1.0" encoding="utf-8"?>
-<ds:datastoreItem xmlns:ds="http://schemas.openxmlformats.org/officeDocument/2006/customXml" ds:itemID="{3B2344AD-E27A-4A67-A585-FAFE9CBD6DB5}">
-  <ds:schemaRefs>
-    <ds:schemaRef ds:uri="http://purl.org/dc/dcmitype/"/>
-    <ds:schemaRef ds:uri="http://schemas.microsoft.com/office/2006/documentManagement/types"/>
-    <ds:schemaRef ds:uri="http://purl.org/dc/terms/"/>
-    <ds:schemaRef ds:uri="http://schemas.microsoft.com/office/2006/metadata/properties"/>
-    <ds:schemaRef ds:uri="http://schemas.openxmlformats.org/package/2006/metadata/core-properties"/>
-    <ds:schemaRef ds:uri="d3350465-63a7-4d8f-b2e3-559bc7c38667"/>
-    <ds:schemaRef ds:uri="http://purl.org/dc/elements/1.1/"/>
-    <ds:schemaRef ds:uri="http://schemas.microsoft.com/office/infopath/2007/PartnerControls"/>
-    <ds:schemaRef ds:uri="http://www.w3.org/XML/1998/namespace"/>
-  </ds:schemaRefs>
-</ds:datastoreItem>
+<file path=customXml/item2.xml><?xml version="1.0" encoding="utf-8"?>
+<?mso-contentType ?>
+<FormTemplates xmlns="http://schemas.microsoft.com/sharepoint/v3/contenttype/forms">
+  <Display>DocumentLibraryForm</Display>
+  <Edit>DocumentLibraryForm</Edit>
+  <New>DocumentLibraryForm</New>
+</FormTemplates>
 </file>
 
-<file path=customXml/itemProps2.xml><?xml version="1.0" encoding="utf-8"?>
-<ds:datastoreItem xmlns:ds="http://schemas.openxmlformats.org/officeDocument/2006/customXml" ds:itemID="{6C1A3A0B-8DEC-4A1D-84AA-88455D5CE66F}">
-  <ds:schemaRefs>
-    <ds:schemaRef ds:uri="http://schemas.microsoft.com/sharepoint/v3/contenttype/forms"/>
-  </ds:schemaRefs>
-</ds:datastoreItem>
+<file path=customXml/item3.xml><?xml version="1.0" encoding="utf-8"?>
+<p:properties xmlns:p="http://schemas.microsoft.com/office/2006/metadata/properties" xmlns:xsi="http://www.w3.org/2001/XMLSchema-instance" xmlns:pc="http://schemas.microsoft.com/office/infopath/2007/PartnerControls">
+  <documentManagement>
+    <Inndeling xmlns="d3350465-63a7-4d8f-b2e3-559bc7c38667">2) Presentasjon Maler</Inndeling>
+  </documentManagement>
+</p:properties>
 </file>
 
-<file path=customXml/itemProps3.xml><?xml version="1.0" encoding="utf-8"?>
+<file path=customXml/itemProps1.xml><?xml version="1.0" encoding="utf-8"?>
 <ds:datastoreItem xmlns:ds="http://schemas.openxmlformats.org/officeDocument/2006/customXml" ds:itemID="{E2A719CD-949F-4395-9DB4-79572B22356E}">
   <ds:schemaRefs>
     <ds:schemaRef ds:uri="http://schemas.microsoft.com/office/2006/metadata/contentType"/>
@@ -18173,4 +18129,28 @@
     <ds:schemaRef ds:uri="http://schemas.microsoft.com/internal/obd"/>
   </ds:schemaRefs>
 </ds:datastoreItem>
+</file>
+
+<file path=customXml/itemProps2.xml><?xml version="1.0" encoding="utf-8"?>
+<ds:datastoreItem xmlns:ds="http://schemas.openxmlformats.org/officeDocument/2006/customXml" ds:itemID="{6C1A3A0B-8DEC-4A1D-84AA-88455D5CE66F}">
+  <ds:schemaRefs>
+    <ds:schemaRef ds:uri="http://schemas.microsoft.com/sharepoint/v3/contenttype/forms"/>
+  </ds:schemaRefs>
+</ds:datastoreItem>
+</file>
+
+<file path=customXml/itemProps3.xml><?xml version="1.0" encoding="utf-8"?>
+<ds:datastoreItem xmlns:ds="http://schemas.openxmlformats.org/officeDocument/2006/customXml" ds:itemID="{3B2344AD-E27A-4A67-A585-FAFE9CBD6DB5}">
+  <ds:schemaRefs>
+    <ds:schemaRef ds:uri="http://purl.org/dc/dcmitype/"/>
+    <ds:schemaRef ds:uri="http://schemas.microsoft.com/office/2006/documentManagement/types"/>
+    <ds:schemaRef ds:uri="http://purl.org/dc/terms/"/>
+    <ds:schemaRef ds:uri="http://schemas.microsoft.com/office/2006/metadata/properties"/>
+    <ds:schemaRef ds:uri="http://schemas.openxmlformats.org/package/2006/metadata/core-properties"/>
+    <ds:schemaRef ds:uri="d3350465-63a7-4d8f-b2e3-559bc7c38667"/>
+    <ds:schemaRef ds:uri="http://purl.org/dc/elements/1.1/"/>
+    <ds:schemaRef ds:uri="http://schemas.microsoft.com/office/infopath/2007/PartnerControls"/>
+    <ds:schemaRef ds:uri="http://www.w3.org/XML/1998/namespace"/>
+  </ds:schemaRefs>
+</ds:datastoreItem>
 </file>